--- a/presentation.pptx
+++ b/presentation.pptx
@@ -6,10 +6,10 @@
     <p:sldMasterId id="2147483856" r:id="rId5"/>
   </p:sldMasterIdLst>
   <p:notesMasterIdLst>
-    <p:notesMasterId r:id="rId18"/>
+    <p:notesMasterId r:id="rId20"/>
   </p:notesMasterIdLst>
   <p:handoutMasterIdLst>
-    <p:handoutMasterId r:id="rId19"/>
+    <p:handoutMasterId r:id="rId21"/>
   </p:handoutMasterIdLst>
   <p:sldIdLst>
     <p:sldId id="621" r:id="rId6"/>
@@ -24,11 +24,13 @@
     <p:sldId id="675" r:id="rId15"/>
     <p:sldId id="669" r:id="rId16"/>
     <p:sldId id="668" r:id="rId17"/>
+    <p:sldId id="676" r:id="rId18"/>
+    <p:sldId id="677" r:id="rId19"/>
   </p:sldIdLst>
   <p:sldSz cx="12188825" cy="6858000"/>
   <p:notesSz cx="6858000" cy="9144000"/>
   <p:custDataLst>
-    <p:tags r:id="rId21"/>
+    <p:tags r:id="rId23"/>
   </p:custDataLst>
   <p:defaultTextStyle>
     <a:defPPr>
@@ -142,6 +144,8 @@
             <p14:sldId id="675"/>
             <p14:sldId id="669"/>
             <p14:sldId id="668"/>
+            <p14:sldId id="676"/>
+            <p14:sldId id="677"/>
           </p14:sldIdLst>
         </p14:section>
       </p14:sectionLst>
@@ -238,7 +242,7 @@
           <a:p>
             <a:fld id="{62B32D8C-52DD-4DA0-BEA4-61BCF7C2EDF9}" type="datetimeFigureOut">
               <a:rPr lang="en-GB" smtClean="0"/>
-              <a:t>4/30/15</a:t>
+              <a:t>5/10/15</a:t>
             </a:fld>
             <a:endParaRPr lang="en-GB"/>
           </a:p>
@@ -403,7 +407,7 @@
           <a:p>
             <a:fld id="{B8B76084-FF89-C546-BB62-0004C5E16AD5}" type="datetimeFigureOut">
               <a:rPr lang="en-US" smtClean="0"/>
-              <a:t>4/30/15</a:t>
+              <a:t>5/10/15</a:t>
             </a:fld>
             <a:endParaRPr lang="en-US"/>
           </a:p>
@@ -855,6 +859,107 @@
             <a:fld id="{7B2FCB79-2C0C-F84D-A224-30C295992FCE}" type="slidenum">
               <a:rPr lang="en-US" smtClean="0"/>
               <a:t>12</a:t>
+            </a:fld>
+            <a:endParaRPr lang="en-US"/>
+          </a:p>
+        </p:txBody>
+      </p:sp>
+    </p:spTree>
+    <p:extLst>
+      <p:ext uri="{BB962C8B-B14F-4D97-AF65-F5344CB8AC3E}">
+        <p14:creationId xmlns:p14="http://schemas.microsoft.com/office/powerpoint/2010/main" val="3066483838"/>
+      </p:ext>
+    </p:extLst>
+  </p:cSld>
+  <p:clrMapOvr>
+    <a:masterClrMapping/>
+  </p:clrMapOvr>
+</p:notes>
+</file>
+
+<file path=ppt/notesSlides/notesSlide11.xml><?xml version="1.0" encoding="utf-8"?>
+<p:notes xmlns:a="http://schemas.openxmlformats.org/drawingml/2006/main" xmlns:r="http://schemas.openxmlformats.org/officeDocument/2006/relationships" xmlns:p="http://schemas.openxmlformats.org/presentationml/2006/main">
+  <p:cSld>
+    <p:spTree>
+      <p:nvGrpSpPr>
+        <p:cNvPr id="1" name=""/>
+        <p:cNvGrpSpPr/>
+        <p:nvPr/>
+      </p:nvGrpSpPr>
+      <p:grpSpPr>
+        <a:xfrm>
+          <a:off x="0" y="0"/>
+          <a:ext cx="0" cy="0"/>
+          <a:chOff x="0" y="0"/>
+          <a:chExt cx="0" cy="0"/>
+        </a:xfrm>
+      </p:grpSpPr>
+      <p:sp>
+        <p:nvSpPr>
+          <p:cNvPr id="2" name="Slide Image Placeholder 1"/>
+          <p:cNvSpPr>
+            <a:spLocks noGrp="1" noRot="1" noChangeAspect="1"/>
+          </p:cNvSpPr>
+          <p:nvPr>
+            <p:ph type="sldImg"/>
+          </p:nvPr>
+        </p:nvSpPr>
+        <p:spPr/>
+      </p:sp>
+      <p:sp>
+        <p:nvSpPr>
+          <p:cNvPr id="3" name="Notes Placeholder 2"/>
+          <p:cNvSpPr>
+            <a:spLocks noGrp="1"/>
+          </p:cNvSpPr>
+          <p:nvPr>
+            <p:ph type="body" idx="1"/>
+          </p:nvPr>
+        </p:nvSpPr>
+        <p:spPr/>
+        <p:txBody>
+          <a:bodyPr/>
+          <a:lstStyle/>
+          <a:p>
+            <a:pPr marL="0" marR="0" indent="0" algn="l" defTabSz="609417" rtl="0" eaLnBrk="1" fontAlgn="auto" latinLnBrk="0" hangingPunct="1">
+              <a:lnSpc>
+                <a:spcPct val="100000"/>
+              </a:lnSpc>
+              <a:spcBef>
+                <a:spcPts val="0"/>
+              </a:spcBef>
+              <a:spcAft>
+                <a:spcPts val="0"/>
+              </a:spcAft>
+              <a:buClrTx/>
+              <a:buSzTx/>
+              <a:buFontTx/>
+              <a:buNone/>
+              <a:tabLst/>
+              <a:defRPr/>
+            </a:pPr>
+            <a:endParaRPr lang="en-US" dirty="0"/>
+          </a:p>
+        </p:txBody>
+      </p:sp>
+      <p:sp>
+        <p:nvSpPr>
+          <p:cNvPr id="4" name="Slide Number Placeholder 3"/>
+          <p:cNvSpPr>
+            <a:spLocks noGrp="1"/>
+          </p:cNvSpPr>
+          <p:nvPr>
+            <p:ph type="sldNum" sz="quarter" idx="10"/>
+          </p:nvPr>
+        </p:nvSpPr>
+        <p:spPr/>
+        <p:txBody>
+          <a:bodyPr/>
+          <a:lstStyle/>
+          <a:p>
+            <a:fld id="{7B2FCB79-2C0C-F84D-A224-30C295992FCE}" type="slidenum">
+              <a:rPr lang="en-US" smtClean="0"/>
+              <a:t>13</a:t>
             </a:fld>
             <a:endParaRPr lang="en-US"/>
           </a:p>
@@ -26269,6 +26374,262 @@
 </p:sld>
 </file>
 
+<file path=ppt/slides/slide13.xml><?xml version="1.0" encoding="utf-8"?>
+<p:sld xmlns:a="http://schemas.openxmlformats.org/drawingml/2006/main" xmlns:r="http://schemas.openxmlformats.org/officeDocument/2006/relationships" xmlns:p="http://schemas.openxmlformats.org/presentationml/2006/main">
+  <p:cSld>
+    <p:spTree>
+      <p:nvGrpSpPr>
+        <p:cNvPr id="1" name=""/>
+        <p:cNvGrpSpPr/>
+        <p:nvPr/>
+      </p:nvGrpSpPr>
+      <p:grpSpPr>
+        <a:xfrm>
+          <a:off x="0" y="0"/>
+          <a:ext cx="0" cy="0"/>
+          <a:chOff x="0" y="0"/>
+          <a:chExt cx="0" cy="0"/>
+        </a:xfrm>
+      </p:grpSpPr>
+      <p:sp>
+        <p:nvSpPr>
+          <p:cNvPr id="6" name="Shape 468"/>
+          <p:cNvSpPr txBox="1"/>
+          <p:nvPr/>
+        </p:nvSpPr>
+        <p:spPr>
+          <a:xfrm>
+            <a:off x="130629" y="2754421"/>
+            <a:ext cx="12188825" cy="3318399"/>
+          </a:xfrm>
+          <a:prstGeom prst="rect">
+            <a:avLst/>
+          </a:prstGeom>
+          <a:noFill/>
+          <a:ln>
+            <a:noFill/>
+          </a:ln>
+        </p:spPr>
+        <p:txBody>
+          <a:bodyPr lIns="121879" tIns="121879" rIns="121879" bIns="121879" anchor="ctr" anchorCtr="0">
+            <a:noAutofit/>
+          </a:bodyPr>
+          <a:lstStyle/>
+          <a:p>
+            <a:pPr algn="ctr">
+              <a:buClr>
+                <a:schemeClr val="dk1"/>
+              </a:buClr>
+              <a:buSzPct val="25000"/>
+            </a:pPr>
+            <a:r>
+              <a:rPr lang="en-US" sz="5400" b="1" dirty="0" smtClean="0">
+                <a:solidFill>
+                  <a:schemeClr val="dk1"/>
+                </a:solidFill>
+                <a:latin typeface="Open Sans"/>
+                <a:ea typeface="Open Sans"/>
+                <a:cs typeface="Open Sans"/>
+                <a:sym typeface="Open Sans"/>
+              </a:rPr>
+              <a:t>References</a:t>
+            </a:r>
+            <a:endParaRPr lang="en-US" sz="2800" b="1" dirty="0" smtClean="0">
+              <a:solidFill>
+                <a:schemeClr val="dk1"/>
+              </a:solidFill>
+              <a:latin typeface="Open Sans"/>
+              <a:ea typeface="Open Sans"/>
+              <a:cs typeface="Open Sans"/>
+              <a:sym typeface="Open Sans"/>
+            </a:endParaRPr>
+          </a:p>
+        </p:txBody>
+      </p:sp>
+    </p:spTree>
+    <p:custDataLst>
+      <p:tags r:id="rId1"/>
+    </p:custDataLst>
+    <p:extLst>
+      <p:ext uri="{BB962C8B-B14F-4D97-AF65-F5344CB8AC3E}">
+        <p14:creationId xmlns:p14="http://schemas.microsoft.com/office/powerpoint/2010/main" val="1055237299"/>
+      </p:ext>
+    </p:extLst>
+  </p:cSld>
+  <p:clrMapOvr>
+    <a:masterClrMapping/>
+  </p:clrMapOvr>
+  <mc:AlternateContent xmlns:mc="http://schemas.openxmlformats.org/markup-compatibility/2006" xmlns:p14="http://schemas.microsoft.com/office/powerpoint/2010/main">
+    <mc:Choice Requires="p14">
+      <p:transition spd="med" p14:dur="700">
+        <p:fade/>
+      </p:transition>
+    </mc:Choice>
+    <mc:Fallback xmlns="">
+      <p:transition xmlns:p14="http://schemas.microsoft.com/office/powerpoint/2010/main" spd="med">
+        <p:fade/>
+      </p:transition>
+    </mc:Fallback>
+  </mc:AlternateContent>
+  <p:timing>
+    <p:tnLst>
+      <p:par>
+        <p:cTn xmlns:p14="http://schemas.microsoft.com/office/powerpoint/2010/main" id="1" dur="indefinite" restart="never" nodeType="tmRoot"/>
+      </p:par>
+    </p:tnLst>
+  </p:timing>
+</p:sld>
+</file>
+
+<file path=ppt/slides/slide14.xml><?xml version="1.0" encoding="utf-8"?>
+<p:sld xmlns:a="http://schemas.openxmlformats.org/drawingml/2006/main" xmlns:r="http://schemas.openxmlformats.org/officeDocument/2006/relationships" xmlns:p="http://schemas.openxmlformats.org/presentationml/2006/main">
+  <p:cSld>
+    <p:spTree>
+      <p:nvGrpSpPr>
+        <p:cNvPr id="1" name=""/>
+        <p:cNvGrpSpPr/>
+        <p:nvPr/>
+      </p:nvGrpSpPr>
+      <p:grpSpPr>
+        <a:xfrm>
+          <a:off x="0" y="0"/>
+          <a:ext cx="0" cy="0"/>
+          <a:chOff x="0" y="0"/>
+          <a:chExt cx="0" cy="0"/>
+        </a:xfrm>
+      </p:grpSpPr>
+      <p:sp>
+        <p:nvSpPr>
+          <p:cNvPr id="5" name="Text Placeholder 4"/>
+          <p:cNvSpPr>
+            <a:spLocks noGrp="1"/>
+          </p:cNvSpPr>
+          <p:nvPr>
+            <p:ph type="body" sz="quarter" idx="10"/>
+          </p:nvPr>
+        </p:nvSpPr>
+        <p:spPr>
+          <a:xfrm>
+            <a:off x="327190" y="646704"/>
+            <a:ext cx="11440688" cy="5374627"/>
+          </a:xfrm>
+        </p:spPr>
+        <p:txBody>
+          <a:bodyPr/>
+          <a:lstStyle/>
+          <a:p>
+            <a:r>
+              <a:rPr lang="en-US" sz="1800" dirty="0" err="1" smtClean="0"/>
+              <a:t>DevStack</a:t>
+            </a:r>
+            <a:r>
+              <a:rPr lang="en-US" sz="1800" dirty="0" smtClean="0"/>
+              <a:t> </a:t>
+            </a:r>
+            <a:r>
+              <a:rPr lang="en-US" sz="1800" dirty="0"/>
+              <a:t>Configuration Guide – </a:t>
+            </a:r>
+            <a:r>
+              <a:rPr lang="en-US" sz="1800" dirty="0">
+                <a:hlinkClick r:id="rId2"/>
+              </a:rPr>
+              <a:t>http://docs.openstack.org/developer/devstack/</a:t>
+            </a:r>
+            <a:r>
+              <a:rPr lang="en-US" sz="1800" dirty="0" smtClean="0">
+                <a:hlinkClick r:id="rId2"/>
+              </a:rPr>
+              <a:t>configuration.html</a:t>
+            </a:r>
+            <a:endParaRPr lang="en-US" sz="1800" dirty="0" smtClean="0"/>
+          </a:p>
+          <a:p>
+            <a:r>
+              <a:rPr lang="en-US" sz="1800" dirty="0" smtClean="0"/>
+              <a:t>Materials </a:t>
+            </a:r>
+            <a:r>
+              <a:rPr lang="en-US" sz="1800" dirty="0" smtClean="0"/>
+              <a:t>for the presentation are available </a:t>
+            </a:r>
+            <a:r>
+              <a:rPr lang="en-US" sz="1800" dirty="0"/>
+              <a:t>for download at </a:t>
+            </a:r>
+            <a:r>
+              <a:rPr lang="en-US" sz="1800" dirty="0">
+                <a:hlinkClick r:id="rId3"/>
+              </a:rPr>
+              <a:t>https://github.com/grimmtheory/</a:t>
+            </a:r>
+            <a:r>
+              <a:rPr lang="en-US" sz="1800" dirty="0" smtClean="0">
+                <a:hlinkClick r:id="rId3"/>
+              </a:rPr>
+              <a:t>autoscale</a:t>
+            </a:r>
+            <a:r>
+              <a:rPr lang="en-US" sz="1800" dirty="0" smtClean="0"/>
+              <a:t> </a:t>
+            </a:r>
+            <a:endParaRPr lang="en-US" sz="1800" dirty="0"/>
+          </a:p>
+        </p:txBody>
+      </p:sp>
+      <p:sp>
+        <p:nvSpPr>
+          <p:cNvPr id="4" name="Title 3"/>
+          <p:cNvSpPr>
+            <a:spLocks noGrp="1"/>
+          </p:cNvSpPr>
+          <p:nvPr>
+            <p:ph type="ctrTitle"/>
+          </p:nvPr>
+        </p:nvSpPr>
+        <p:spPr>
+          <a:xfrm>
+            <a:off x="346232" y="86612"/>
+            <a:ext cx="8450927" cy="971709"/>
+          </a:xfrm>
+        </p:spPr>
+        <p:txBody>
+          <a:bodyPr/>
+          <a:lstStyle/>
+          <a:p>
+            <a:r>
+              <a:rPr lang="en-US" dirty="0" smtClean="0"/>
+              <a:t>References</a:t>
+            </a:r>
+            <a:endParaRPr lang="en-US" dirty="0"/>
+          </a:p>
+        </p:txBody>
+      </p:sp>
+    </p:spTree>
+    <p:extLst>
+      <p:ext uri="{BB962C8B-B14F-4D97-AF65-F5344CB8AC3E}">
+        <p14:creationId xmlns:p14="http://schemas.microsoft.com/office/powerpoint/2010/main" val="3627621243"/>
+      </p:ext>
+    </p:extLst>
+  </p:cSld>
+  <p:clrMapOvr>
+    <a:masterClrMapping/>
+  </p:clrMapOvr>
+  <mc:AlternateContent xmlns:mc="http://schemas.openxmlformats.org/markup-compatibility/2006" xmlns:p14="http://schemas.microsoft.com/office/powerpoint/2010/main">
+    <mc:Choice Requires="p14">
+      <p:transition spd="med" p14:dur="700">
+        <p:fade/>
+      </p:transition>
+    </mc:Choice>
+    <mc:Fallback xmlns="">
+      <p:transition xmlns:p14="http://schemas.microsoft.com/office/powerpoint/2010/main" spd="med">
+        <p:fade/>
+      </p:transition>
+    </mc:Fallback>
+  </mc:AlternateContent>
+</p:sld>
+</file>
+
 <file path=ppt/slides/slide2.xml><?xml version="1.0" encoding="utf-8"?>
 <p:sld xmlns:a="http://schemas.openxmlformats.org/drawingml/2006/main" xmlns:r="http://schemas.openxmlformats.org/officeDocument/2006/relationships" xmlns:p="http://schemas.openxmlformats.org/presentationml/2006/main">
   <p:cSld>
@@ -30582,6 +30943,12 @@
 </file>
 
 <file path=ppt/tags/tag10.xml><?xml version="1.0" encoding="utf-8"?>
+<p:tagLst xmlns:a="http://schemas.openxmlformats.org/drawingml/2006/main" xmlns:r="http://schemas.openxmlformats.org/officeDocument/2006/relationships" xmlns:p="http://schemas.openxmlformats.org/presentationml/2006/main">
+  <p:tag name="ARTICULATE_SLIDE_THUMBNAIL_REFRESH" val="1"/>
+</p:tagLst>
+</file>
+
+<file path=ppt/tags/tag11.xml><?xml version="1.0" encoding="utf-8"?>
 <p:tagLst xmlns:a="http://schemas.openxmlformats.org/drawingml/2006/main" xmlns:r="http://schemas.openxmlformats.org/officeDocument/2006/relationships" xmlns:p="http://schemas.openxmlformats.org/presentationml/2006/main">
   <p:tag name="ARTICULATE_SLIDE_THUMBNAIL_REFRESH" val="1"/>
 </p:tagLst>
